--- a/course-results/2023/Roman Stadler/survivial/BIO392 Nervous System Neoplasm.pptx
+++ b/course-results/2023/Roman Stadler/survivial/BIO392 Nervous System Neoplasm.pptx
@@ -326,7 +326,7 @@
       </p15:sldGuideLst>
     </p:ext>
     <p:ext uri="GoogleSlidesCustomDataVersion2">
-      <go:slidesCustomData xmlns:go="http://customooxmlschemas.google.com/" r:id="rId21" roundtripDataSignature="AMtx7miFwodJJBrdzT7bVogmDreeKr6cQg=="/>
+      <go:slidesCustomData xmlns:go="http://customooxmlschemas.google.com/" r:id="rId21" roundtripDataSignature="AMtx7mjSe4JCg46cLURK6Ozv064VjLrg+A=="/>
     </p:ext>
   </p:extLst>
 </p:presentation>
@@ -1882,7 +1882,7 @@
   <p:cSld>
     <p:spTree>
       <p:nvGrpSpPr>
-        <p:cNvPr id="141" name="Shape 141"/>
+        <p:cNvPr id="142" name="Shape 142"/>
         <p:cNvGrpSpPr/>
         <p:nvPr/>
       </p:nvGrpSpPr>
@@ -1896,7 +1896,7 @@
       </p:grpSpPr>
       <p:sp>
         <p:nvSpPr>
-          <p:cNvPr id="142" name="Google Shape;142;g2884796363a_4_15:notes"/>
+          <p:cNvPr id="143" name="Google Shape;143;g2884796363a_4_15:notes"/>
           <p:cNvSpPr txBox="1"/>
           <p:nvPr>
             <p:ph idx="1" type="body"/>
@@ -1943,7 +1943,7 @@
       </p:sp>
       <p:sp>
         <p:nvSpPr>
-          <p:cNvPr id="143" name="Google Shape;143;g2884796363a_4_15:notes"/>
+          <p:cNvPr id="144" name="Google Shape;144;g2884796363a_4_15:notes"/>
           <p:cNvSpPr/>
           <p:nvPr>
             <p:ph idx="2" type="sldImg"/>
@@ -1999,7 +1999,7 @@
   <p:cSld>
     <p:spTree>
       <p:nvGrpSpPr>
-        <p:cNvPr id="150" name="Shape 150"/>
+        <p:cNvPr id="152" name="Shape 152"/>
         <p:cNvGrpSpPr/>
         <p:nvPr/>
       </p:nvGrpSpPr>
@@ -2013,7 +2013,7 @@
       </p:grpSpPr>
       <p:sp>
         <p:nvSpPr>
-          <p:cNvPr id="151" name="Google Shape;151;g2884796363a_4_80:notes"/>
+          <p:cNvPr id="153" name="Google Shape;153;g2884796363a_4_80:notes"/>
           <p:cNvSpPr txBox="1"/>
           <p:nvPr>
             <p:ph idx="1" type="body"/>
@@ -2060,7 +2060,7 @@
       </p:sp>
       <p:sp>
         <p:nvSpPr>
-          <p:cNvPr id="152" name="Google Shape;152;g2884796363a_4_80:notes"/>
+          <p:cNvPr id="154" name="Google Shape;154;g2884796363a_4_80:notes"/>
           <p:cNvSpPr/>
           <p:nvPr>
             <p:ph idx="2" type="sldImg"/>
@@ -2116,7 +2116,7 @@
   <p:cSld>
     <p:spTree>
       <p:nvGrpSpPr>
-        <p:cNvPr id="162" name="Shape 162"/>
+        <p:cNvPr id="165" name="Shape 165"/>
         <p:cNvGrpSpPr/>
         <p:nvPr/>
       </p:nvGrpSpPr>
@@ -2130,7 +2130,7 @@
       </p:grpSpPr>
       <p:sp>
         <p:nvSpPr>
-          <p:cNvPr id="163" name="Google Shape;163;g2884796363a_4_34:notes"/>
+          <p:cNvPr id="166" name="Google Shape;166;g2884796363a_4_34:notes"/>
           <p:cNvSpPr txBox="1"/>
           <p:nvPr>
             <p:ph idx="1" type="body"/>
@@ -2177,7 +2177,7 @@
       </p:sp>
       <p:sp>
         <p:nvSpPr>
-          <p:cNvPr id="164" name="Google Shape;164;g2884796363a_4_34:notes"/>
+          <p:cNvPr id="167" name="Google Shape;167;g2884796363a_4_34:notes"/>
           <p:cNvSpPr/>
           <p:nvPr>
             <p:ph idx="2" type="sldImg"/>
@@ -2233,7 +2233,7 @@
   <p:cSld>
     <p:spTree>
       <p:nvGrpSpPr>
-        <p:cNvPr id="171" name="Shape 171"/>
+        <p:cNvPr id="175" name="Shape 175"/>
         <p:cNvGrpSpPr/>
         <p:nvPr/>
       </p:nvGrpSpPr>
@@ -2247,7 +2247,7 @@
       </p:grpSpPr>
       <p:sp>
         <p:nvSpPr>
-          <p:cNvPr id="172" name="Google Shape;172;g287fe9843d3_0_14:notes"/>
+          <p:cNvPr id="176" name="Google Shape;176;g287fe9843d3_0_14:notes"/>
           <p:cNvSpPr txBox="1"/>
           <p:nvPr>
             <p:ph idx="1" type="body"/>
@@ -2294,7 +2294,7 @@
       </p:sp>
       <p:sp>
         <p:nvSpPr>
-          <p:cNvPr id="173" name="Google Shape;173;g287fe9843d3_0_14:notes"/>
+          <p:cNvPr id="177" name="Google Shape;177;g287fe9843d3_0_14:notes"/>
           <p:cNvSpPr/>
           <p:nvPr>
             <p:ph idx="2" type="sldImg"/>
@@ -2350,7 +2350,7 @@
   <p:cSld>
     <p:spTree>
       <p:nvGrpSpPr>
-        <p:cNvPr id="180" name="Shape 180"/>
+        <p:cNvPr id="184" name="Shape 184"/>
         <p:cNvGrpSpPr/>
         <p:nvPr/>
       </p:nvGrpSpPr>
@@ -2364,7 +2364,7 @@
       </p:grpSpPr>
       <p:sp>
         <p:nvSpPr>
-          <p:cNvPr id="181" name="Google Shape;181;g2884796363a_4_69:notes"/>
+          <p:cNvPr id="185" name="Google Shape;185;g2884796363a_4_69:notes"/>
           <p:cNvSpPr txBox="1"/>
           <p:nvPr>
             <p:ph idx="1" type="body"/>
@@ -2411,7 +2411,7 @@
       </p:sp>
       <p:sp>
         <p:nvSpPr>
-          <p:cNvPr id="182" name="Google Shape;182;g2884796363a_4_69:notes"/>
+          <p:cNvPr id="186" name="Google Shape;186;g2884796363a_4_69:notes"/>
           <p:cNvSpPr/>
           <p:nvPr>
             <p:ph idx="2" type="sldImg"/>
@@ -2467,7 +2467,7 @@
   <p:cSld>
     <p:spTree>
       <p:nvGrpSpPr>
-        <p:cNvPr id="189" name="Shape 189"/>
+        <p:cNvPr id="193" name="Shape 193"/>
         <p:cNvGrpSpPr/>
         <p:nvPr/>
       </p:nvGrpSpPr>
@@ -2481,7 +2481,7 @@
       </p:grpSpPr>
       <p:sp>
         <p:nvSpPr>
-          <p:cNvPr id="190" name="Google Shape;190;g287c01206a9_1_2:notes"/>
+          <p:cNvPr id="194" name="Google Shape;194;g287c01206a9_1_2:notes"/>
           <p:cNvSpPr/>
           <p:nvPr>
             <p:ph idx="2" type="sldImg"/>
@@ -2516,7 +2516,7 @@
       </p:sp>
       <p:sp>
         <p:nvSpPr>
-          <p:cNvPr id="191" name="Google Shape;191;g287c01206a9_1_2:notes"/>
+          <p:cNvPr id="195" name="Google Shape;195;g287c01206a9_1_2:notes"/>
           <p:cNvSpPr txBox="1"/>
           <p:nvPr>
             <p:ph idx="1" type="body"/>
@@ -2555,7 +2555,7 @@
       </p:sp>
       <p:sp>
         <p:nvSpPr>
-          <p:cNvPr id="192" name="Google Shape;192;g287c01206a9_1_2:notes"/>
+          <p:cNvPr id="196" name="Google Shape;196;g287c01206a9_1_2:notes"/>
           <p:cNvSpPr txBox="1"/>
           <p:nvPr>
             <p:ph idx="12" type="sldNum"/>
@@ -11022,7 +11022,7 @@
   <p:cSld>
     <p:spTree>
       <p:nvGrpSpPr>
-        <p:cNvPr id="144" name="Shape 144"/>
+        <p:cNvPr id="145" name="Shape 145"/>
         <p:cNvGrpSpPr/>
         <p:nvPr/>
       </p:nvGrpSpPr>
@@ -11036,7 +11036,7 @@
       </p:grpSpPr>
       <p:sp>
         <p:nvSpPr>
-          <p:cNvPr id="145" name="Google Shape;145;g2884796363a_4_15"/>
+          <p:cNvPr id="146" name="Google Shape;146;g2884796363a_4_15"/>
           <p:cNvSpPr txBox="1"/>
           <p:nvPr>
             <p:ph type="title"/>
@@ -11084,7 +11084,7 @@
       </p:sp>
       <p:sp>
         <p:nvSpPr>
-          <p:cNvPr id="146" name="Google Shape;146;g2884796363a_4_15"/>
+          <p:cNvPr id="147" name="Google Shape;147;g2884796363a_4_15"/>
           <p:cNvSpPr txBox="1"/>
           <p:nvPr>
             <p:ph idx="12" type="sldNum"/>
@@ -11136,7 +11136,7 @@
       </p:sp>
       <p:sp>
         <p:nvSpPr>
-          <p:cNvPr id="147" name="Google Shape;147;g2884796363a_4_15"/>
+          <p:cNvPr id="148" name="Google Shape;148;g2884796363a_4_15"/>
           <p:cNvSpPr txBox="1"/>
           <p:nvPr>
             <p:ph idx="10" type="dt"/>
@@ -11184,7 +11184,7 @@
       </p:sp>
       <p:sp>
         <p:nvSpPr>
-          <p:cNvPr id="148" name="Google Shape;148;g2884796363a_4_15"/>
+          <p:cNvPr id="149" name="Google Shape;149;g2884796363a_4_15"/>
           <p:cNvSpPr txBox="1"/>
           <p:nvPr>
             <p:ph idx="4294967295" type="ftr"/>
@@ -11232,7 +11232,7 @@
       </p:sp>
       <p:pic>
         <p:nvPicPr>
-          <p:cNvPr id="149" name="Google Shape;149;g2884796363a_4_15"/>
+          <p:cNvPr id="150" name="Google Shape;150;g2884796363a_4_15"/>
           <p:cNvPicPr preferRelativeResize="0"/>
           <p:nvPr/>
         </p:nvPicPr>
@@ -11258,6 +11258,33 @@
           </a:ln>
         </p:spPr>
       </p:pic>
+      <p:pic>
+        <p:nvPicPr>
+          <p:cNvPr id="151" name="Google Shape;151;g2884796363a_4_15"/>
+          <p:cNvPicPr preferRelativeResize="0"/>
+          <p:nvPr/>
+        </p:nvPicPr>
+        <p:blipFill rotWithShape="1">
+          <a:blip r:embed="rId4">
+            <a:alphaModFix/>
+          </a:blip>
+          <a:srcRect b="96361" l="6085" r="1287" t="0"/>
+          <a:stretch/>
+        </p:blipFill>
+        <p:spPr>
+          <a:xfrm>
+            <a:off x="1713025" y="312950"/>
+            <a:ext cx="8765900" cy="351925"/>
+          </a:xfrm>
+          <a:prstGeom prst="rect">
+            <a:avLst/>
+          </a:prstGeom>
+          <a:noFill/>
+          <a:ln>
+            <a:noFill/>
+          </a:ln>
+        </p:spPr>
+      </p:pic>
     </p:spTree>
   </p:cSld>
   <p:clrMapOvr>
@@ -11271,7 +11298,7 @@
   <p:cSld>
     <p:spTree>
       <p:nvGrpSpPr>
-        <p:cNvPr id="153" name="Shape 153"/>
+        <p:cNvPr id="155" name="Shape 155"/>
         <p:cNvGrpSpPr/>
         <p:nvPr/>
       </p:nvGrpSpPr>
@@ -11285,7 +11312,7 @@
       </p:grpSpPr>
       <p:sp>
         <p:nvSpPr>
-          <p:cNvPr id="154" name="Google Shape;154;g2884796363a_4_80"/>
+          <p:cNvPr id="156" name="Google Shape;156;g2884796363a_4_80"/>
           <p:cNvSpPr txBox="1"/>
           <p:nvPr>
             <p:ph type="title"/>
@@ -11333,7 +11360,7 @@
       </p:sp>
       <p:sp>
         <p:nvSpPr>
-          <p:cNvPr id="155" name="Google Shape;155;g2884796363a_4_80"/>
+          <p:cNvPr id="157" name="Google Shape;157;g2884796363a_4_80"/>
           <p:cNvSpPr txBox="1"/>
           <p:nvPr>
             <p:ph idx="12" type="sldNum"/>
@@ -11385,7 +11412,7 @@
       </p:sp>
       <p:sp>
         <p:nvSpPr>
-          <p:cNvPr id="156" name="Google Shape;156;g2884796363a_4_80"/>
+          <p:cNvPr id="158" name="Google Shape;158;g2884796363a_4_80"/>
           <p:cNvSpPr txBox="1"/>
           <p:nvPr>
             <p:ph idx="10" type="dt"/>
@@ -11433,7 +11460,7 @@
       </p:sp>
       <p:sp>
         <p:nvSpPr>
-          <p:cNvPr id="157" name="Google Shape;157;g2884796363a_4_80"/>
+          <p:cNvPr id="159" name="Google Shape;159;g2884796363a_4_80"/>
           <p:cNvSpPr txBox="1"/>
           <p:nvPr>
             <p:ph idx="4294967295" type="ftr"/>
@@ -11481,21 +11508,21 @@
       </p:sp>
       <p:grpSp>
         <p:nvGrpSpPr>
-          <p:cNvPr id="158" name="Google Shape;158;g2884796363a_4_80"/>
+          <p:cNvPr id="160" name="Google Shape;160;g2884796363a_4_80"/>
           <p:cNvGrpSpPr/>
           <p:nvPr/>
         </p:nvGrpSpPr>
         <p:grpSpPr>
           <a:xfrm>
-            <a:off x="779638" y="447462"/>
-            <a:ext cx="9577725" cy="5963063"/>
-            <a:chOff x="1135463" y="561562"/>
-            <a:chExt cx="9577725" cy="5963063"/>
+            <a:off x="779638" y="923299"/>
+            <a:ext cx="9577738" cy="5487227"/>
+            <a:chOff x="1135463" y="1037399"/>
+            <a:chExt cx="9577738" cy="5487227"/>
           </a:xfrm>
         </p:grpSpPr>
         <p:pic>
           <p:nvPicPr>
-            <p:cNvPr id="159" name="Google Shape;159;g2884796363a_4_80"/>
+            <p:cNvPr id="161" name="Google Shape;161;g2884796363a_4_80"/>
             <p:cNvPicPr preferRelativeResize="0"/>
             <p:nvPr/>
           </p:nvPicPr>
@@ -11503,13 +11530,13 @@
             <a:blip r:embed="rId3">
               <a:alphaModFix/>
             </a:blip>
-            <a:srcRect b="37378" l="0" r="0" t="0"/>
+            <a:srcRect b="37377" l="0" r="0" t="5196"/>
             <a:stretch/>
           </p:blipFill>
           <p:spPr>
             <a:xfrm>
-              <a:off x="1837613" y="561562"/>
-              <a:ext cx="8875575" cy="5734876"/>
+              <a:off x="1837625" y="1037399"/>
+              <a:ext cx="8875575" cy="5259050"/>
             </a:xfrm>
             <a:prstGeom prst="rect">
               <a:avLst/>
@@ -11522,7 +11549,7 @@
         </p:pic>
         <p:pic>
           <p:nvPicPr>
-            <p:cNvPr id="160" name="Google Shape;160;g2884796363a_4_80"/>
+            <p:cNvPr id="162" name="Google Shape;162;g2884796363a_4_80"/>
             <p:cNvPicPr preferRelativeResize="0"/>
             <p:nvPr/>
           </p:nvPicPr>
@@ -11549,7 +11576,7 @@
         </p:pic>
         <p:pic>
           <p:nvPicPr>
-            <p:cNvPr id="161" name="Google Shape;161;g2884796363a_4_80"/>
+            <p:cNvPr id="163" name="Google Shape;163;g2884796363a_4_80"/>
             <p:cNvPicPr preferRelativeResize="0"/>
             <p:nvPr/>
           </p:nvPicPr>
@@ -11575,6 +11602,33 @@
           </p:spPr>
         </p:pic>
       </p:grpSp>
+      <p:pic>
+        <p:nvPicPr>
+          <p:cNvPr id="164" name="Google Shape;164;g2884796363a_4_80"/>
+          <p:cNvPicPr preferRelativeResize="0"/>
+          <p:nvPr/>
+        </p:nvPicPr>
+        <p:blipFill rotWithShape="1">
+          <a:blip r:embed="rId5">
+            <a:alphaModFix/>
+          </a:blip>
+          <a:srcRect b="96505" l="0" r="0" t="0"/>
+          <a:stretch/>
+        </p:blipFill>
+        <p:spPr>
+          <a:xfrm>
+            <a:off x="570639" y="431550"/>
+            <a:ext cx="10475736" cy="377650"/>
+          </a:xfrm>
+          <a:prstGeom prst="rect">
+            <a:avLst/>
+          </a:prstGeom>
+          <a:noFill/>
+          <a:ln>
+            <a:noFill/>
+          </a:ln>
+        </p:spPr>
+      </p:pic>
     </p:spTree>
   </p:cSld>
   <p:clrMapOvr>
@@ -11588,7 +11642,7 @@
   <p:cSld>
     <p:spTree>
       <p:nvGrpSpPr>
-        <p:cNvPr id="165" name="Shape 165"/>
+        <p:cNvPr id="168" name="Shape 168"/>
         <p:cNvGrpSpPr/>
         <p:nvPr/>
       </p:nvGrpSpPr>
@@ -11602,7 +11656,7 @@
       </p:grpSpPr>
       <p:sp>
         <p:nvSpPr>
-          <p:cNvPr id="166" name="Google Shape;166;g2884796363a_4_34"/>
+          <p:cNvPr id="169" name="Google Shape;169;g2884796363a_4_34"/>
           <p:cNvSpPr txBox="1"/>
           <p:nvPr>
             <p:ph type="title"/>
@@ -11650,7 +11704,7 @@
       </p:sp>
       <p:sp>
         <p:nvSpPr>
-          <p:cNvPr id="167" name="Google Shape;167;g2884796363a_4_34"/>
+          <p:cNvPr id="170" name="Google Shape;170;g2884796363a_4_34"/>
           <p:cNvSpPr txBox="1"/>
           <p:nvPr>
             <p:ph idx="12" type="sldNum"/>
@@ -11702,7 +11756,7 @@
       </p:sp>
       <p:sp>
         <p:nvSpPr>
-          <p:cNvPr id="168" name="Google Shape;168;g2884796363a_4_34"/>
+          <p:cNvPr id="171" name="Google Shape;171;g2884796363a_4_34"/>
           <p:cNvSpPr txBox="1"/>
           <p:nvPr>
             <p:ph idx="10" type="dt"/>
@@ -11750,7 +11804,7 @@
       </p:sp>
       <p:sp>
         <p:nvSpPr>
-          <p:cNvPr id="169" name="Google Shape;169;g2884796363a_4_34"/>
+          <p:cNvPr id="172" name="Google Shape;172;g2884796363a_4_34"/>
           <p:cNvSpPr txBox="1"/>
           <p:nvPr>
             <p:ph idx="4294967295" type="ftr"/>
@@ -11798,7 +11852,7 @@
       </p:sp>
       <p:pic>
         <p:nvPicPr>
-          <p:cNvPr id="170" name="Google Shape;170;g2884796363a_4_34"/>
+          <p:cNvPr id="173" name="Google Shape;173;g2884796363a_4_34"/>
           <p:cNvPicPr preferRelativeResize="0"/>
           <p:nvPr/>
         </p:nvPicPr>
@@ -11824,6 +11878,33 @@
           </a:ln>
         </p:spPr>
       </p:pic>
+      <p:pic>
+        <p:nvPicPr>
+          <p:cNvPr id="174" name="Google Shape;174;g2884796363a_4_34"/>
+          <p:cNvPicPr preferRelativeResize="0"/>
+          <p:nvPr/>
+        </p:nvPicPr>
+        <p:blipFill rotWithShape="1">
+          <a:blip r:embed="rId4">
+            <a:alphaModFix/>
+          </a:blip>
+          <a:srcRect b="95745" l="0" r="0" t="0"/>
+          <a:stretch/>
+        </p:blipFill>
+        <p:spPr>
+          <a:xfrm>
+            <a:off x="1278663" y="383925"/>
+            <a:ext cx="9428326" cy="340500"/>
+          </a:xfrm>
+          <a:prstGeom prst="rect">
+            <a:avLst/>
+          </a:prstGeom>
+          <a:noFill/>
+          <a:ln>
+            <a:noFill/>
+          </a:ln>
+        </p:spPr>
+      </p:pic>
     </p:spTree>
   </p:cSld>
   <p:clrMapOvr>
@@ -11837,7 +11918,7 @@
   <p:cSld>
     <p:spTree>
       <p:nvGrpSpPr>
-        <p:cNvPr id="174" name="Shape 174"/>
+        <p:cNvPr id="178" name="Shape 178"/>
         <p:cNvGrpSpPr/>
         <p:nvPr/>
       </p:nvGrpSpPr>
@@ -11851,7 +11932,7 @@
       </p:grpSpPr>
       <p:sp>
         <p:nvSpPr>
-          <p:cNvPr id="175" name="Google Shape;175;g287fe9843d3_0_14"/>
+          <p:cNvPr id="179" name="Google Shape;179;g287fe9843d3_0_14"/>
           <p:cNvSpPr txBox="1"/>
           <p:nvPr>
             <p:ph type="title"/>
@@ -11899,7 +11980,7 @@
       </p:sp>
       <p:sp>
         <p:nvSpPr>
-          <p:cNvPr id="176" name="Google Shape;176;g287fe9843d3_0_14"/>
+          <p:cNvPr id="180" name="Google Shape;180;g287fe9843d3_0_14"/>
           <p:cNvSpPr txBox="1"/>
           <p:nvPr>
             <p:ph idx="12" type="sldNum"/>
@@ -11951,7 +12032,7 @@
       </p:sp>
       <p:sp>
         <p:nvSpPr>
-          <p:cNvPr id="177" name="Google Shape;177;g287fe9843d3_0_14"/>
+          <p:cNvPr id="181" name="Google Shape;181;g287fe9843d3_0_14"/>
           <p:cNvSpPr txBox="1"/>
           <p:nvPr>
             <p:ph idx="10" type="dt"/>
@@ -11999,7 +12080,7 @@
       </p:sp>
       <p:sp>
         <p:nvSpPr>
-          <p:cNvPr id="178" name="Google Shape;178;g287fe9843d3_0_14"/>
+          <p:cNvPr id="182" name="Google Shape;182;g287fe9843d3_0_14"/>
           <p:cNvSpPr txBox="1"/>
           <p:nvPr>
             <p:ph idx="4294967295" type="ftr"/>
@@ -12047,7 +12128,7 @@
       </p:sp>
       <p:sp>
         <p:nvSpPr>
-          <p:cNvPr id="179" name="Google Shape;179;g287fe9843d3_0_14"/>
+          <p:cNvPr id="183" name="Google Shape;183;g287fe9843d3_0_14"/>
           <p:cNvSpPr txBox="1"/>
           <p:nvPr/>
         </p:nvSpPr>
@@ -12231,7 +12312,7 @@
                 <a:cs typeface="Calibri"/>
                 <a:sym typeface="Calibri"/>
               </a:rPr>
-              <a:t>Differences in surivival time, visible in aggressive tumor types</a:t>
+              <a:t>Differences in survival time, visible in aggressive tumor types</a:t>
             </a:r>
             <a:endParaRPr sz="1800">
               <a:solidFill>
@@ -12350,7 +12431,7 @@
   <p:cSld>
     <p:spTree>
       <p:nvGrpSpPr>
-        <p:cNvPr id="183" name="Shape 183"/>
+        <p:cNvPr id="187" name="Shape 187"/>
         <p:cNvGrpSpPr/>
         <p:nvPr/>
       </p:nvGrpSpPr>
@@ -12364,7 +12445,7 @@
       </p:grpSpPr>
       <p:sp>
         <p:nvSpPr>
-          <p:cNvPr id="184" name="Google Shape;184;g2884796363a_4_69"/>
+          <p:cNvPr id="188" name="Google Shape;188;g2884796363a_4_69"/>
           <p:cNvSpPr txBox="1"/>
           <p:nvPr>
             <p:ph type="title"/>
@@ -12412,7 +12493,7 @@
       </p:sp>
       <p:sp>
         <p:nvSpPr>
-          <p:cNvPr id="185" name="Google Shape;185;g2884796363a_4_69"/>
+          <p:cNvPr id="189" name="Google Shape;189;g2884796363a_4_69"/>
           <p:cNvSpPr txBox="1"/>
           <p:nvPr>
             <p:ph idx="12" type="sldNum"/>
@@ -12464,7 +12545,7 @@
       </p:sp>
       <p:sp>
         <p:nvSpPr>
-          <p:cNvPr id="186" name="Google Shape;186;g2884796363a_4_69"/>
+          <p:cNvPr id="190" name="Google Shape;190;g2884796363a_4_69"/>
           <p:cNvSpPr txBox="1"/>
           <p:nvPr>
             <p:ph idx="10" type="dt"/>
@@ -12512,7 +12593,7 @@
       </p:sp>
       <p:sp>
         <p:nvSpPr>
-          <p:cNvPr id="187" name="Google Shape;187;g2884796363a_4_69"/>
+          <p:cNvPr id="191" name="Google Shape;191;g2884796363a_4_69"/>
           <p:cNvSpPr txBox="1"/>
           <p:nvPr>
             <p:ph idx="4294967295" type="ftr"/>
@@ -12560,7 +12641,7 @@
       </p:sp>
       <p:sp>
         <p:nvSpPr>
-          <p:cNvPr id="188" name="Google Shape;188;g2884796363a_4_69"/>
+          <p:cNvPr id="192" name="Google Shape;192;g2884796363a_4_69"/>
           <p:cNvSpPr txBox="1"/>
           <p:nvPr/>
         </p:nvSpPr>
@@ -12871,7 +12952,7 @@
   <p:cSld>
     <p:spTree>
       <p:nvGrpSpPr>
-        <p:cNvPr id="193" name="Shape 193"/>
+        <p:cNvPr id="197" name="Shape 197"/>
         <p:cNvGrpSpPr/>
         <p:nvPr/>
       </p:nvGrpSpPr>
@@ -12885,7 +12966,7 @@
       </p:grpSpPr>
       <p:sp>
         <p:nvSpPr>
-          <p:cNvPr id="194" name="Google Shape;194;g287c01206a9_1_2"/>
+          <p:cNvPr id="198" name="Google Shape;198;g287c01206a9_1_2"/>
           <p:cNvSpPr txBox="1"/>
           <p:nvPr>
             <p:ph type="title"/>
@@ -12925,7 +13006,7 @@
       </p:sp>
       <p:sp>
         <p:nvSpPr>
-          <p:cNvPr id="195" name="Google Shape;195;g287c01206a9_1_2"/>
+          <p:cNvPr id="199" name="Google Shape;199;g287c01206a9_1_2"/>
           <p:cNvSpPr txBox="1"/>
           <p:nvPr>
             <p:ph idx="1" type="body"/>
@@ -13140,7 +13221,7 @@
       </p:sp>
       <p:sp>
         <p:nvSpPr>
-          <p:cNvPr id="196" name="Google Shape;196;g287c01206a9_1_2"/>
+          <p:cNvPr id="200" name="Google Shape;200;g287c01206a9_1_2"/>
           <p:cNvSpPr txBox="1"/>
           <p:nvPr>
             <p:ph idx="12" type="sldNum"/>
@@ -14925,8 +15006,8 @@
         </p:nvGrpSpPr>
         <p:grpSpPr>
           <a:xfrm>
-            <a:off x="987125" y="3608423"/>
-            <a:ext cx="10332524" cy="2290500"/>
+            <a:off x="537504" y="3516732"/>
+            <a:ext cx="10758223" cy="2483131"/>
             <a:chOff x="987125" y="3608423"/>
             <a:chExt cx="10332524" cy="2290500"/>
           </a:xfrm>
@@ -16828,6 +16909,33 @@
           </a:ln>
         </p:spPr>
       </p:pic>
+      <p:pic>
+        <p:nvPicPr>
+          <p:cNvPr id="141" name="Google Shape;141;g2884796363a_4_22"/>
+          <p:cNvPicPr preferRelativeResize="0"/>
+          <p:nvPr/>
+        </p:nvPicPr>
+        <p:blipFill rotWithShape="1">
+          <a:blip r:embed="rId4">
+            <a:alphaModFix/>
+          </a:blip>
+          <a:srcRect b="97822" l="0" r="0" t="0"/>
+          <a:stretch/>
+        </p:blipFill>
+        <p:spPr>
+          <a:xfrm>
+            <a:off x="-1826450" y="262412"/>
+            <a:ext cx="12926650" cy="312326"/>
+          </a:xfrm>
+          <a:prstGeom prst="rect">
+            <a:avLst/>
+          </a:prstGeom>
+          <a:noFill/>
+          <a:ln>
+            <a:noFill/>
+          </a:ln>
+        </p:spPr>
+      </p:pic>
     </p:spTree>
   </p:cSld>
   <p:clrMapOvr>
@@ -16837,6 +16945,285 @@
 </file>
 
 <file path=ppt/theme/theme1.xml><?xml version="1.0" encoding="utf-8"?>
+<a:theme xmlns:a="http://schemas.openxmlformats.org/drawingml/2006/main" xmlns:r="http://schemas.openxmlformats.org/officeDocument/2006/relationships" name="UZH">
+  <a:themeElements>
+    <a:clrScheme name="UZH">
+      <a:dk1>
+        <a:srgbClr val="000000"/>
+      </a:dk1>
+      <a:lt1>
+        <a:srgbClr val="FFFFFF"/>
+      </a:lt1>
+      <a:dk2>
+        <a:srgbClr val="DADEE2"/>
+      </a:dk2>
+      <a:lt2>
+        <a:srgbClr val="FEDC00"/>
+      </a:lt2>
+      <a:accent1>
+        <a:srgbClr val="0028A5"/>
+      </a:accent1>
+      <a:accent2>
+        <a:srgbClr val="A3ADB7"/>
+      </a:accent2>
+      <a:accent3>
+        <a:srgbClr val="DC6027"/>
+      </a:accent3>
+      <a:accent4>
+        <a:srgbClr val="0B82A0"/>
+      </a:accent4>
+      <a:accent5>
+        <a:srgbClr val="2A7F60"/>
+      </a:accent5>
+      <a:accent6>
+        <a:srgbClr val="91C34A"/>
+      </a:accent6>
+      <a:hlink>
+        <a:srgbClr val="DC6027"/>
+      </a:hlink>
+      <a:folHlink>
+        <a:srgbClr val="000000"/>
+      </a:folHlink>
+    </a:clrScheme>
+    <a:fontScheme name="Office">
+      <a:majorFont>
+        <a:latin typeface="Arial"/>
+        <a:ea typeface=""/>
+        <a:cs typeface=""/>
+        <a:font script="Jpan" typeface="ＭＳ Ｐゴシック"/>
+        <a:font script="Hang" typeface="맑은 고딕"/>
+        <a:font script="Hans" typeface="宋体"/>
+        <a:font script="Hant" typeface="新細明體"/>
+        <a:font script="Arab" typeface="Times New Roman"/>
+        <a:font script="Hebr" typeface="Times New Roman"/>
+        <a:font script="Thai" typeface="Angsana New"/>
+        <a:font script="Ethi" typeface="Nyala"/>
+        <a:font script="Beng" typeface="Vrinda"/>
+        <a:font script="Gujr" typeface="Shruti"/>
+        <a:font script="Khmr" typeface="MoolBoran"/>
+        <a:font script="Knda" typeface="Tunga"/>
+        <a:font script="Guru" typeface="Raavi"/>
+        <a:font script="Cans" typeface="Euphemia"/>
+        <a:font script="Cher" typeface="Plantagenet Cherokee"/>
+        <a:font script="Yiii" typeface="Microsoft Yi Baiti"/>
+        <a:font script="Tibt" typeface="Microsoft Himalaya"/>
+        <a:font script="Thaa" typeface="MV Boli"/>
+        <a:font script="Deva" typeface="Mangal"/>
+        <a:font script="Telu" typeface="Gautami"/>
+        <a:font script="Taml" typeface="Latha"/>
+        <a:font script="Syrc" typeface="Estrangelo Edessa"/>
+        <a:font script="Orya" typeface="Kalinga"/>
+        <a:font script="Mlym" typeface="Kartika"/>
+        <a:font script="Laoo" typeface="DokChampa"/>
+        <a:font script="Sinh" typeface="Iskoola Pota"/>
+        <a:font script="Mong" typeface="Mongolian Baiti"/>
+        <a:font script="Viet" typeface="Times New Roman"/>
+        <a:font script="Uigh" typeface="Microsoft Uighur"/>
+        <a:font script="Geor" typeface="Sylfaen"/>
+      </a:majorFont>
+      <a:minorFont>
+        <a:latin typeface="Arial"/>
+        <a:ea typeface=""/>
+        <a:cs typeface=""/>
+        <a:font script="Jpan" typeface="ＭＳ Ｐゴシック"/>
+        <a:font script="Hang" typeface="맑은 고딕"/>
+        <a:font script="Hans" typeface="宋体"/>
+        <a:font script="Hant" typeface="新細明體"/>
+        <a:font script="Arab" typeface="Arial"/>
+        <a:font script="Hebr" typeface="Arial"/>
+        <a:font script="Thai" typeface="Cordia New"/>
+        <a:font script="Ethi" typeface="Nyala"/>
+        <a:font script="Beng" typeface="Vrinda"/>
+        <a:font script="Gujr" typeface="Shruti"/>
+        <a:font script="Khmr" typeface="DaunPenh"/>
+        <a:font script="Knda" typeface="Tunga"/>
+        <a:font script="Guru" typeface="Raavi"/>
+        <a:font script="Cans" typeface="Euphemia"/>
+        <a:font script="Cher" typeface="Plantagenet Cherokee"/>
+        <a:font script="Yiii" typeface="Microsoft Yi Baiti"/>
+        <a:font script="Tibt" typeface="Microsoft Himalaya"/>
+        <a:font script="Thaa" typeface="MV Boli"/>
+        <a:font script="Deva" typeface="Mangal"/>
+        <a:font script="Telu" typeface="Gautami"/>
+        <a:font script="Taml" typeface="Latha"/>
+        <a:font script="Syrc" typeface="Estrangelo Edessa"/>
+        <a:font script="Orya" typeface="Kalinga"/>
+        <a:font script="Mlym" typeface="Kartika"/>
+        <a:font script="Laoo" typeface="DokChampa"/>
+        <a:font script="Sinh" typeface="Iskoola Pota"/>
+        <a:font script="Mong" typeface="Mongolian Baiti"/>
+        <a:font script="Viet" typeface="Arial"/>
+        <a:font script="Uigh" typeface="Microsoft Uighur"/>
+        <a:font script="Geor" typeface="Sylfaen"/>
+      </a:minorFont>
+    </a:fontScheme>
+    <a:fmtScheme name="Office">
+      <a:fillStyleLst>
+        <a:solidFill>
+          <a:schemeClr val="phClr"/>
+        </a:solidFill>
+        <a:gradFill rotWithShape="1">
+          <a:gsLst>
+            <a:gs pos="0">
+              <a:schemeClr val="phClr">
+                <a:tint val="50000"/>
+                <a:satMod val="300000"/>
+              </a:schemeClr>
+            </a:gs>
+            <a:gs pos="35000">
+              <a:schemeClr val="phClr">
+                <a:tint val="37000"/>
+                <a:satMod val="300000"/>
+              </a:schemeClr>
+            </a:gs>
+            <a:gs pos="100000">
+              <a:schemeClr val="phClr">
+                <a:tint val="15000"/>
+                <a:satMod val="350000"/>
+              </a:schemeClr>
+            </a:gs>
+          </a:gsLst>
+          <a:lin ang="16200000" scaled="1"/>
+        </a:gradFill>
+        <a:gradFill rotWithShape="1">
+          <a:gsLst>
+            <a:gs pos="0">
+              <a:schemeClr val="phClr">
+                <a:tint val="100000"/>
+                <a:shade val="100000"/>
+                <a:satMod val="130000"/>
+              </a:schemeClr>
+            </a:gs>
+            <a:gs pos="100000">
+              <a:schemeClr val="phClr">
+                <a:tint val="50000"/>
+                <a:shade val="100000"/>
+                <a:satMod val="350000"/>
+              </a:schemeClr>
+            </a:gs>
+          </a:gsLst>
+          <a:lin ang="16200000" scaled="0"/>
+        </a:gradFill>
+      </a:fillStyleLst>
+      <a:lnStyleLst>
+        <a:ln w="9525" cap="flat" cmpd="sng" algn="ctr">
+          <a:solidFill>
+            <a:schemeClr val="phClr">
+              <a:shade val="95000"/>
+              <a:satMod val="105000"/>
+            </a:schemeClr>
+          </a:solidFill>
+          <a:prstDash val="solid"/>
+        </a:ln>
+        <a:ln w="25400" cap="flat" cmpd="sng" algn="ctr">
+          <a:solidFill>
+            <a:schemeClr val="phClr"/>
+          </a:solidFill>
+          <a:prstDash val="solid"/>
+        </a:ln>
+        <a:ln w="38100" cap="flat" cmpd="sng" algn="ctr">
+          <a:solidFill>
+            <a:schemeClr val="phClr"/>
+          </a:solidFill>
+          <a:prstDash val="solid"/>
+        </a:ln>
+      </a:lnStyleLst>
+      <a:effectStyleLst>
+        <a:effectStyle>
+          <a:effectLst>
+            <a:outerShdw blurRad="40000" dist="20000" dir="5400000" rotWithShape="0">
+              <a:srgbClr val="000000">
+                <a:alpha val="38000"/>
+              </a:srgbClr>
+            </a:outerShdw>
+          </a:effectLst>
+        </a:effectStyle>
+        <a:effectStyle>
+          <a:effectLst>
+            <a:outerShdw blurRad="40000" dist="23000" dir="5400000" rotWithShape="0">
+              <a:srgbClr val="000000">
+                <a:alpha val="35000"/>
+              </a:srgbClr>
+            </a:outerShdw>
+          </a:effectLst>
+        </a:effectStyle>
+        <a:effectStyle>
+          <a:effectLst>
+            <a:outerShdw blurRad="40000" dist="23000" dir="5400000" rotWithShape="0">
+              <a:srgbClr val="000000">
+                <a:alpha val="35000"/>
+              </a:srgbClr>
+            </a:outerShdw>
+          </a:effectLst>
+          <a:scene3d>
+            <a:camera prst="orthographicFront">
+              <a:rot lat="0" lon="0" rev="0"/>
+            </a:camera>
+            <a:lightRig rig="threePt" dir="t">
+              <a:rot lat="0" lon="0" rev="1200000"/>
+            </a:lightRig>
+          </a:scene3d>
+          <a:sp3d>
+            <a:bevelT w="63500" h="25400"/>
+          </a:sp3d>
+        </a:effectStyle>
+      </a:effectStyleLst>
+      <a:bgFillStyleLst>
+        <a:solidFill>
+          <a:schemeClr val="phClr"/>
+        </a:solidFill>
+        <a:gradFill rotWithShape="1">
+          <a:gsLst>
+            <a:gs pos="0">
+              <a:schemeClr val="phClr">
+                <a:tint val="40000"/>
+                <a:satMod val="350000"/>
+              </a:schemeClr>
+            </a:gs>
+            <a:gs pos="40000">
+              <a:schemeClr val="phClr">
+                <a:tint val="45000"/>
+                <a:shade val="99000"/>
+                <a:satMod val="350000"/>
+              </a:schemeClr>
+            </a:gs>
+            <a:gs pos="100000">
+              <a:schemeClr val="phClr">
+                <a:shade val="20000"/>
+                <a:satMod val="255000"/>
+              </a:schemeClr>
+            </a:gs>
+          </a:gsLst>
+          <a:path path="circle">
+            <a:fillToRect l="50000" t="-80000" r="50000" b="180000"/>
+          </a:path>
+        </a:gradFill>
+        <a:gradFill rotWithShape="1">
+          <a:gsLst>
+            <a:gs pos="0">
+              <a:schemeClr val="phClr">
+                <a:tint val="80000"/>
+                <a:satMod val="300000"/>
+              </a:schemeClr>
+            </a:gs>
+            <a:gs pos="100000">
+              <a:schemeClr val="phClr">
+                <a:shade val="30000"/>
+                <a:satMod val="200000"/>
+              </a:schemeClr>
+            </a:gs>
+          </a:gsLst>
+          <a:path path="circle">
+            <a:fillToRect l="50000" t="50000" r="50000" b="50000"/>
+          </a:path>
+        </a:gradFill>
+      </a:bgFillStyleLst>
+    </a:fmtScheme>
+  </a:themeElements>
+</a:theme>
+</file>
+
+<file path=ppt/theme/theme2.xml><?xml version="1.0" encoding="utf-8"?>
 <a:theme xmlns:a="http://schemas.openxmlformats.org/drawingml/2006/main" xmlns:r="http://schemas.openxmlformats.org/officeDocument/2006/relationships" name="Office-Design">
   <a:themeElements>
     <a:clrScheme name="">
@@ -17113,283 +17500,4 @@
     </a:fmtScheme>
   </a:themeElements>
 </a:theme>
-</file>
-
-<file path=ppt/theme/theme2.xml><?xml version="1.0" encoding="utf-8"?>
-<a:theme xmlns:a="http://schemas.openxmlformats.org/drawingml/2006/main" xmlns:r="http://schemas.openxmlformats.org/officeDocument/2006/relationships" name="UZH">
-  <a:themeElements>
-    <a:clrScheme name="UZH">
-      <a:dk1>
-        <a:srgbClr val="000000"/>
-      </a:dk1>
-      <a:lt1>
-        <a:srgbClr val="FFFFFF"/>
-      </a:lt1>
-      <a:dk2>
-        <a:srgbClr val="DADEE2"/>
-      </a:dk2>
-      <a:lt2>
-        <a:srgbClr val="FEDC00"/>
-      </a:lt2>
-      <a:accent1>
-        <a:srgbClr val="0028A5"/>
-      </a:accent1>
-      <a:accent2>
-        <a:srgbClr val="A3ADB7"/>
-      </a:accent2>
-      <a:accent3>
-        <a:srgbClr val="DC6027"/>
-      </a:accent3>
-      <a:accent4>
-        <a:srgbClr val="0B82A0"/>
-      </a:accent4>
-      <a:accent5>
-        <a:srgbClr val="2A7F60"/>
-      </a:accent5>
-      <a:accent6>
-        <a:srgbClr val="91C34A"/>
-      </a:accent6>
-      <a:hlink>
-        <a:srgbClr val="DC6027"/>
-      </a:hlink>
-      <a:folHlink>
-        <a:srgbClr val="000000"/>
-      </a:folHlink>
-    </a:clrScheme>
-    <a:fontScheme name="Office">
-      <a:majorFont>
-        <a:latin typeface="Arial"/>
-        <a:ea typeface=""/>
-        <a:cs typeface=""/>
-        <a:font script="Jpan" typeface="ＭＳ Ｐゴシック"/>
-        <a:font script="Hang" typeface="맑은 고딕"/>
-        <a:font script="Hans" typeface="宋体"/>
-        <a:font script="Hant" typeface="新細明體"/>
-        <a:font script="Arab" typeface="Times New Roman"/>
-        <a:font script="Hebr" typeface="Times New Roman"/>
-        <a:font script="Thai" typeface="Angsana New"/>
-        <a:font script="Ethi" typeface="Nyala"/>
-        <a:font script="Beng" typeface="Vrinda"/>
-        <a:font script="Gujr" typeface="Shruti"/>
-        <a:font script="Khmr" typeface="MoolBoran"/>
-        <a:font script="Knda" typeface="Tunga"/>
-        <a:font script="Guru" typeface="Raavi"/>
-        <a:font script="Cans" typeface="Euphemia"/>
-        <a:font script="Cher" typeface="Plantagenet Cherokee"/>
-        <a:font script="Yiii" typeface="Microsoft Yi Baiti"/>
-        <a:font script="Tibt" typeface="Microsoft Himalaya"/>
-        <a:font script="Thaa" typeface="MV Boli"/>
-        <a:font script="Deva" typeface="Mangal"/>
-        <a:font script="Telu" typeface="Gautami"/>
-        <a:font script="Taml" typeface="Latha"/>
-        <a:font script="Syrc" typeface="Estrangelo Edessa"/>
-        <a:font script="Orya" typeface="Kalinga"/>
-        <a:font script="Mlym" typeface="Kartika"/>
-        <a:font script="Laoo" typeface="DokChampa"/>
-        <a:font script="Sinh" typeface="Iskoola Pota"/>
-        <a:font script="Mong" typeface="Mongolian Baiti"/>
-        <a:font script="Viet" typeface="Times New Roman"/>
-        <a:font script="Uigh" typeface="Microsoft Uighur"/>
-        <a:font script="Geor" typeface="Sylfaen"/>
-      </a:majorFont>
-      <a:minorFont>
-        <a:latin typeface="Arial"/>
-        <a:ea typeface=""/>
-        <a:cs typeface=""/>
-        <a:font script="Jpan" typeface="ＭＳ Ｐゴシック"/>
-        <a:font script="Hang" typeface="맑은 고딕"/>
-        <a:font script="Hans" typeface="宋体"/>
-        <a:font script="Hant" typeface="新細明體"/>
-        <a:font script="Arab" typeface="Arial"/>
-        <a:font script="Hebr" typeface="Arial"/>
-        <a:font script="Thai" typeface="Cordia New"/>
-        <a:font script="Ethi" typeface="Nyala"/>
-        <a:font script="Beng" typeface="Vrinda"/>
-        <a:font script="Gujr" typeface="Shruti"/>
-        <a:font script="Khmr" typeface="DaunPenh"/>
-        <a:font script="Knda" typeface="Tunga"/>
-        <a:font script="Guru" typeface="Raavi"/>
-        <a:font script="Cans" typeface="Euphemia"/>
-        <a:font script="Cher" typeface="Plantagenet Cherokee"/>
-        <a:font script="Yiii" typeface="Microsoft Yi Baiti"/>
-        <a:font script="Tibt" typeface="Microsoft Himalaya"/>
-        <a:font script="Thaa" typeface="MV Boli"/>
-        <a:font script="Deva" typeface="Mangal"/>
-        <a:font script="Telu" typeface="Gautami"/>
-        <a:font script="Taml" typeface="Latha"/>
-        <a:font script="Syrc" typeface="Estrangelo Edessa"/>
-        <a:font script="Orya" typeface="Kalinga"/>
-        <a:font script="Mlym" typeface="Kartika"/>
-        <a:font script="Laoo" typeface="DokChampa"/>
-        <a:font script="Sinh" typeface="Iskoola Pota"/>
-        <a:font script="Mong" typeface="Mongolian Baiti"/>
-        <a:font script="Viet" typeface="Arial"/>
-        <a:font script="Uigh" typeface="Microsoft Uighur"/>
-        <a:font script="Geor" typeface="Sylfaen"/>
-      </a:minorFont>
-    </a:fontScheme>
-    <a:fmtScheme name="Office">
-      <a:fillStyleLst>
-        <a:solidFill>
-          <a:schemeClr val="phClr"/>
-        </a:solidFill>
-        <a:gradFill rotWithShape="1">
-          <a:gsLst>
-            <a:gs pos="0">
-              <a:schemeClr val="phClr">
-                <a:tint val="50000"/>
-                <a:satMod val="300000"/>
-              </a:schemeClr>
-            </a:gs>
-            <a:gs pos="35000">
-              <a:schemeClr val="phClr">
-                <a:tint val="37000"/>
-                <a:satMod val="300000"/>
-              </a:schemeClr>
-            </a:gs>
-            <a:gs pos="100000">
-              <a:schemeClr val="phClr">
-                <a:tint val="15000"/>
-                <a:satMod val="350000"/>
-              </a:schemeClr>
-            </a:gs>
-          </a:gsLst>
-          <a:lin ang="16200000" scaled="1"/>
-        </a:gradFill>
-        <a:gradFill rotWithShape="1">
-          <a:gsLst>
-            <a:gs pos="0">
-              <a:schemeClr val="phClr">
-                <a:tint val="100000"/>
-                <a:shade val="100000"/>
-                <a:satMod val="130000"/>
-              </a:schemeClr>
-            </a:gs>
-            <a:gs pos="100000">
-              <a:schemeClr val="phClr">
-                <a:tint val="50000"/>
-                <a:shade val="100000"/>
-                <a:satMod val="350000"/>
-              </a:schemeClr>
-            </a:gs>
-          </a:gsLst>
-          <a:lin ang="16200000" scaled="0"/>
-        </a:gradFill>
-      </a:fillStyleLst>
-      <a:lnStyleLst>
-        <a:ln w="9525" cap="flat" cmpd="sng" algn="ctr">
-          <a:solidFill>
-            <a:schemeClr val="phClr">
-              <a:shade val="95000"/>
-              <a:satMod val="105000"/>
-            </a:schemeClr>
-          </a:solidFill>
-          <a:prstDash val="solid"/>
-        </a:ln>
-        <a:ln w="25400" cap="flat" cmpd="sng" algn="ctr">
-          <a:solidFill>
-            <a:schemeClr val="phClr"/>
-          </a:solidFill>
-          <a:prstDash val="solid"/>
-        </a:ln>
-        <a:ln w="38100" cap="flat" cmpd="sng" algn="ctr">
-          <a:solidFill>
-            <a:schemeClr val="phClr"/>
-          </a:solidFill>
-          <a:prstDash val="solid"/>
-        </a:ln>
-      </a:lnStyleLst>
-      <a:effectStyleLst>
-        <a:effectStyle>
-          <a:effectLst>
-            <a:outerShdw blurRad="40000" dist="20000" dir="5400000" rotWithShape="0">
-              <a:srgbClr val="000000">
-                <a:alpha val="38000"/>
-              </a:srgbClr>
-            </a:outerShdw>
-          </a:effectLst>
-        </a:effectStyle>
-        <a:effectStyle>
-          <a:effectLst>
-            <a:outerShdw blurRad="40000" dist="23000" dir="5400000" rotWithShape="0">
-              <a:srgbClr val="000000">
-                <a:alpha val="35000"/>
-              </a:srgbClr>
-            </a:outerShdw>
-          </a:effectLst>
-        </a:effectStyle>
-        <a:effectStyle>
-          <a:effectLst>
-            <a:outerShdw blurRad="40000" dist="23000" dir="5400000" rotWithShape="0">
-              <a:srgbClr val="000000">
-                <a:alpha val="35000"/>
-              </a:srgbClr>
-            </a:outerShdw>
-          </a:effectLst>
-          <a:scene3d>
-            <a:camera prst="orthographicFront">
-              <a:rot lat="0" lon="0" rev="0"/>
-            </a:camera>
-            <a:lightRig rig="threePt" dir="t">
-              <a:rot lat="0" lon="0" rev="1200000"/>
-            </a:lightRig>
-          </a:scene3d>
-          <a:sp3d>
-            <a:bevelT w="63500" h="25400"/>
-          </a:sp3d>
-        </a:effectStyle>
-      </a:effectStyleLst>
-      <a:bgFillStyleLst>
-        <a:solidFill>
-          <a:schemeClr val="phClr"/>
-        </a:solidFill>
-        <a:gradFill rotWithShape="1">
-          <a:gsLst>
-            <a:gs pos="0">
-              <a:schemeClr val="phClr">
-                <a:tint val="40000"/>
-                <a:satMod val="350000"/>
-              </a:schemeClr>
-            </a:gs>
-            <a:gs pos="40000">
-              <a:schemeClr val="phClr">
-                <a:tint val="45000"/>
-                <a:shade val="99000"/>
-                <a:satMod val="350000"/>
-              </a:schemeClr>
-            </a:gs>
-            <a:gs pos="100000">
-              <a:schemeClr val="phClr">
-                <a:shade val="20000"/>
-                <a:satMod val="255000"/>
-              </a:schemeClr>
-            </a:gs>
-          </a:gsLst>
-          <a:path path="circle">
-            <a:fillToRect l="50000" t="-80000" r="50000" b="180000"/>
-          </a:path>
-        </a:gradFill>
-        <a:gradFill rotWithShape="1">
-          <a:gsLst>
-            <a:gs pos="0">
-              <a:schemeClr val="phClr">
-                <a:tint val="80000"/>
-                <a:satMod val="300000"/>
-              </a:schemeClr>
-            </a:gs>
-            <a:gs pos="100000">
-              <a:schemeClr val="phClr">
-                <a:shade val="30000"/>
-                <a:satMod val="200000"/>
-              </a:schemeClr>
-            </a:gs>
-          </a:gsLst>
-          <a:path path="circle">
-            <a:fillToRect l="50000" t="50000" r="50000" b="50000"/>
-          </a:path>
-        </a:gradFill>
-      </a:bgFillStyleLst>
-    </a:fmtScheme>
-  </a:themeElements>
-</a:theme>
 </file>